--- a/Fatal Accidents in UK.pptx
+++ b/Fatal Accidents in UK.pptx
@@ -41916,20 +41916,22 @@
           </a:xfrm>
         </p:spPr>
         <p:txBody>
-          <a:bodyPr/>
+          <a:bodyPr>
+            <a:normAutofit lnSpcReduction="10000"/>
+          </a:bodyPr>
           <a:lstStyle/>
           <a:p>
             <a:pPr algn="just"/>
             <a:r>
               <a:rPr lang="en-US" dirty="0"/>
-              <a:t>Using the model and by identifying the important features, you can predict the locations with high potential of fatal accident occurrence.</a:t>
+              <a:t>By identifying the important features, you can predict the locations with high potential of fatal accident occurrence.</a:t>
             </a:r>
           </a:p>
           <a:p>
             <a:pPr algn="just"/>
             <a:r>
               <a:rPr lang="en-US" dirty="0"/>
-              <a:t>This model also help in identify the hours of high accident occurrence and the most dangerous accidents.</a:t>
+              <a:t>This model also help in identifying the hours with high accident occurrence and the most dangerous accidents.</a:t>
             </a:r>
           </a:p>
           <a:p>
@@ -41937,6 +41939,20 @@
             <a:r>
               <a:rPr lang="en-US" dirty="0"/>
               <a:t>Model can be used to generate simulation and try to change features by planned improvement plans and check the results.</a:t>
+            </a:r>
+          </a:p>
+          <a:p>
+            <a:pPr algn="just"/>
+            <a:r>
+              <a:rPr lang="en-US" dirty="0"/>
+              <a:t>The model can be used by Emergency to predict the severity of the accidents based in the information and assign the adequate resources.</a:t>
+            </a:r>
+          </a:p>
+          <a:p>
+            <a:pPr algn="just"/>
+            <a:r>
+              <a:rPr lang="en-US" dirty="0"/>
+              <a:t>This model can be the start of building more precise and accurate models by running the analysis on specific regions independently or specific cities or towns in the regions.</a:t>
             </a:r>
           </a:p>
         </p:txBody>
@@ -42026,27 +42042,29 @@
           </a:xfrm>
         </p:spPr>
         <p:txBody>
-          <a:bodyPr/>
+          <a:bodyPr>
+            <a:normAutofit lnSpcReduction="10000"/>
+          </a:bodyPr>
           <a:lstStyle/>
           <a:p>
             <a:pPr algn="just"/>
             <a:r>
               <a:rPr lang="en-US" dirty="0"/>
-              <a:t>Model prediction accuracy, precession and recall is relatively low, but predicting fatal accidents is not easy.</a:t>
+              <a:t>Model prediction accuracy, precession and recall is relatively low, but predicting fatal accidents is not easy when you run the analysis on the entire country.</a:t>
             </a:r>
           </a:p>
           <a:p>
             <a:pPr algn="just"/>
             <a:r>
               <a:rPr lang="en-US" dirty="0"/>
-              <a:t>Many features has been withdrawn from the analysis due to high class imbalance, including these features (if no imbalance is there) could added value.</a:t>
+              <a:t>Many features has been withdrawn from the analysis due to high class imbalance. Including these features (if no imbalance is there) could add value.</a:t>
             </a:r>
           </a:p>
           <a:p>
             <a:pPr algn="just"/>
             <a:r>
               <a:rPr lang="en-US" dirty="0"/>
-              <a:t>The data of this analysis is outdated more than 5 years ago and might not be valuable in 2019.</a:t>
+              <a:t>The data of this analysis is outdated more than 5 years ago and might not be valuable in 2019, even though the number of fatal accidents in UK were steady during the last 8 years. </a:t>
             </a:r>
           </a:p>
         </p:txBody>
@@ -42522,7 +42540,7 @@
           <a:lstStyle/>
           <a:p>
             <a:r>
-              <a:rPr lang="en-US">
+              <a:rPr lang="en-US" dirty="0">
                 <a:solidFill>
                   <a:srgbClr val="EBEBEB"/>
                 </a:solidFill>
